--- a/webapp/overview.pptx
+++ b/webapp/overview.pptx
@@ -9,6 +9,7 @@
     <p:sldId id="257" r:id="rId3"/>
     <p:sldId id="258" r:id="rId4"/>
     <p:sldId id="259" r:id="rId5"/>
+    <p:sldId id="260" r:id="rId6"/>
   </p:sldIdLst>
   <p:sldSz cx="12192000" cy="6858000"/>
   <p:notesSz cx="6858000" cy="9144000"/>
@@ -115,7 +116,7 @@
             <a:srgbClr val="A4A3A4"/>
           </p15:clr>
         </p15:guide>
-        <p15:guide id="2" pos="2328" userDrawn="1">
+        <p15:guide id="2" pos="3840" userDrawn="1">
           <p15:clr>
             <a:srgbClr val="A4A3A4"/>
           </p15:clr>
@@ -7900,6 +7901,540 @@
 </p:sld>
 </file>
 
+<file path=ppt/slides/slide5.xml><?xml version="1.0" encoding="utf-8"?>
+<p:sld xmlns:a="http://schemas.openxmlformats.org/drawingml/2006/main" xmlns:r="http://schemas.openxmlformats.org/officeDocument/2006/relationships" xmlns:p="http://schemas.openxmlformats.org/presentationml/2006/main">
+  <p:cSld>
+    <p:spTree>
+      <p:nvGrpSpPr>
+        <p:cNvPr id="1" name=""/>
+        <p:cNvGrpSpPr/>
+        <p:nvPr/>
+      </p:nvGrpSpPr>
+      <p:grpSpPr>
+        <a:xfrm>
+          <a:off x="0" y="0"/>
+          <a:ext cx="0" cy="0"/>
+          <a:chOff x="0" y="0"/>
+          <a:chExt cx="0" cy="0"/>
+        </a:xfrm>
+      </p:grpSpPr>
+      <p:graphicFrame>
+        <p:nvGraphicFramePr>
+          <p:cNvPr id="4" name="Table 3">
+            <a:extLst>
+              <a:ext uri="{FF2B5EF4-FFF2-40B4-BE49-F238E27FC236}">
+                <a16:creationId xmlns:a16="http://schemas.microsoft.com/office/drawing/2014/main" id="{2BF51A44-07D8-4E9D-A725-D6ADAF7E8850}"/>
+              </a:ext>
+            </a:extLst>
+          </p:cNvPr>
+          <p:cNvGraphicFramePr>
+            <a:graphicFrameLocks noGrp="1"/>
+          </p:cNvGraphicFramePr>
+          <p:nvPr>
+            <p:extLst>
+              <p:ext uri="{D42A27DB-BD31-4B8C-83A1-F6EECF244321}">
+                <p14:modId xmlns:p14="http://schemas.microsoft.com/office/powerpoint/2010/main" val="2405834684"/>
+              </p:ext>
+            </p:extLst>
+          </p:nvPr>
+        </p:nvGraphicFramePr>
+        <p:xfrm>
+          <a:off x="1067351" y="3071952"/>
+          <a:ext cx="3279361" cy="1483360"/>
+        </p:xfrm>
+        <a:graphic>
+          <a:graphicData uri="http://schemas.openxmlformats.org/drawingml/2006/table">
+            <a:tbl>
+              <a:tblPr firstRow="1" bandRow="1">
+                <a:tableStyleId>{5C22544A-7EE6-4342-B048-85BDC9FD1C3A}</a:tableStyleId>
+              </a:tblPr>
+              <a:tblGrid>
+                <a:gridCol w="3279361">
+                  <a:extLst>
+                    <a:ext uri="{9D8B030D-6E8A-4147-A177-3AD203B41FA5}">
+                      <a16:colId xmlns:a16="http://schemas.microsoft.com/office/drawing/2014/main" val="2931269128"/>
+                    </a:ext>
+                  </a:extLst>
+                </a:gridCol>
+              </a:tblGrid>
+              <a:tr h="370840">
+                <a:tc>
+                  <a:txBody>
+                    <a:bodyPr/>
+                    <a:lstStyle/>
+                    <a:p>
+                      <a:r>
+                        <a:rPr lang="en-CA" dirty="0"/>
+                        <a:t>Platoon URLs</a:t>
+                      </a:r>
+                    </a:p>
+                  </a:txBody>
+                  <a:tcPr/>
+                </a:tc>
+                <a:extLst>
+                  <a:ext uri="{0D108BD9-81ED-4DB2-BD59-A6C34878D82A}">
+                    <a16:rowId xmlns:a16="http://schemas.microsoft.com/office/drawing/2014/main" val="2535844643"/>
+                  </a:ext>
+                </a:extLst>
+              </a:tr>
+              <a:tr h="370840">
+                <a:tc>
+                  <a:txBody>
+                    <a:bodyPr/>
+                    <a:lstStyle/>
+                    <a:p>
+                      <a:r>
+                        <a:rPr lang="en-CA" dirty="0">
+                          <a:hlinkClick r:id="rId2"/>
+                        </a:rPr>
+                        <a:t>https://clientaws.chopper.mx</a:t>
+                      </a:r>
+                      <a:endParaRPr lang="en-CA" dirty="0"/>
+                    </a:p>
+                  </a:txBody>
+                  <a:tcPr/>
+                </a:tc>
+                <a:extLst>
+                  <a:ext uri="{0D108BD9-81ED-4DB2-BD59-A6C34878D82A}">
+                    <a16:rowId xmlns:a16="http://schemas.microsoft.com/office/drawing/2014/main" val="2665576645"/>
+                  </a:ext>
+                </a:extLst>
+              </a:tr>
+              <a:tr h="370840">
+                <a:tc>
+                  <a:txBody>
+                    <a:bodyPr/>
+                    <a:lstStyle/>
+                    <a:p>
+                      <a:r>
+                        <a:rPr lang="en-CA" dirty="0">
+                          <a:hlinkClick r:id="rId3"/>
+                        </a:rPr>
+                        <a:t>https://clientgcp.chopper.mx</a:t>
+                      </a:r>
+                      <a:endParaRPr lang="en-CA" dirty="0"/>
+                    </a:p>
+                  </a:txBody>
+                  <a:tcPr/>
+                </a:tc>
+                <a:extLst>
+                  <a:ext uri="{0D108BD9-81ED-4DB2-BD59-A6C34878D82A}">
+                    <a16:rowId xmlns:a16="http://schemas.microsoft.com/office/drawing/2014/main" val="1951527481"/>
+                  </a:ext>
+                </a:extLst>
+              </a:tr>
+              <a:tr h="370840">
+                <a:tc>
+                  <a:txBody>
+                    <a:bodyPr/>
+                    <a:lstStyle/>
+                    <a:p>
+                      <a:r>
+                        <a:rPr lang="en-CA" dirty="0">
+                          <a:hlinkClick r:id="rId4"/>
+                        </a:rPr>
+                        <a:t>https://clientazure.chopper.mx</a:t>
+                      </a:r>
+                      <a:endParaRPr lang="en-CA" dirty="0"/>
+                    </a:p>
+                  </a:txBody>
+                  <a:tcPr/>
+                </a:tc>
+                <a:extLst>
+                  <a:ext uri="{0D108BD9-81ED-4DB2-BD59-A6C34878D82A}">
+                    <a16:rowId xmlns:a16="http://schemas.microsoft.com/office/drawing/2014/main" val="1786760185"/>
+                  </a:ext>
+                </a:extLst>
+              </a:tr>
+            </a:tbl>
+          </a:graphicData>
+        </a:graphic>
+      </p:graphicFrame>
+      <p:sp>
+        <p:nvSpPr>
+          <p:cNvPr id="7" name="TextBox 6">
+            <a:extLst>
+              <a:ext uri="{FF2B5EF4-FFF2-40B4-BE49-F238E27FC236}">
+                <a16:creationId xmlns:a16="http://schemas.microsoft.com/office/drawing/2014/main" id="{8E5573B7-E0EC-4073-A3A6-DF310478779B}"/>
+              </a:ext>
+            </a:extLst>
+          </p:cNvPr>
+          <p:cNvSpPr txBox="1"/>
+          <p:nvPr/>
+        </p:nvSpPr>
+        <p:spPr>
+          <a:xfrm>
+            <a:off x="5235027" y="355539"/>
+            <a:ext cx="1721946" cy="1015663"/>
+          </a:xfrm>
+          <a:prstGeom prst="rect">
+            <a:avLst/>
+          </a:prstGeom>
+          <a:noFill/>
+        </p:spPr>
+        <p:txBody>
+          <a:bodyPr wrap="none" rtlCol="0">
+            <a:spAutoFit/>
+          </a:bodyPr>
+          <a:lstStyle/>
+          <a:p>
+            <a:r>
+              <a:rPr lang="en-CA" sz="6000" dirty="0"/>
+              <a:t>URLs</a:t>
+            </a:r>
+          </a:p>
+        </p:txBody>
+      </p:sp>
+      <p:grpSp>
+        <p:nvGrpSpPr>
+          <p:cNvPr id="8" name="Group 7">
+            <a:extLst>
+              <a:ext uri="{FF2B5EF4-FFF2-40B4-BE49-F238E27FC236}">
+                <a16:creationId xmlns:a16="http://schemas.microsoft.com/office/drawing/2014/main" id="{AE3E500D-DD26-4E30-BAF1-9C82F5EE857E}"/>
+              </a:ext>
+            </a:extLst>
+          </p:cNvPr>
+          <p:cNvGrpSpPr/>
+          <p:nvPr/>
+        </p:nvGrpSpPr>
+        <p:grpSpPr>
+          <a:xfrm>
+            <a:off x="1067351" y="2037050"/>
+            <a:ext cx="3246783" cy="922556"/>
+            <a:chOff x="8825948" y="901147"/>
+            <a:chExt cx="3246783" cy="922556"/>
+          </a:xfrm>
+        </p:grpSpPr>
+        <p:sp>
+          <p:nvSpPr>
+            <p:cNvPr id="9" name="Rectangle 8">
+              <a:extLst>
+                <a:ext uri="{FF2B5EF4-FFF2-40B4-BE49-F238E27FC236}">
+                  <a16:creationId xmlns:a16="http://schemas.microsoft.com/office/drawing/2014/main" id="{0FDEC99D-EF9A-436C-9EC2-DBAD5BD29F37}"/>
+                </a:ext>
+              </a:extLst>
+            </p:cNvPr>
+            <p:cNvSpPr/>
+            <p:nvPr/>
+          </p:nvSpPr>
+          <p:spPr>
+            <a:xfrm>
+              <a:off x="8825948" y="901147"/>
+              <a:ext cx="3246783" cy="922556"/>
+            </a:xfrm>
+            <a:prstGeom prst="rect">
+              <a:avLst/>
+            </a:prstGeom>
+            <a:noFill/>
+            <a:ln>
+              <a:solidFill>
+                <a:schemeClr val="bg1">
+                  <a:lumMod val="85000"/>
+                </a:schemeClr>
+              </a:solidFill>
+            </a:ln>
+          </p:spPr>
+          <p:style>
+            <a:lnRef idx="2">
+              <a:schemeClr val="accent1">
+                <a:shade val="50000"/>
+              </a:schemeClr>
+            </a:lnRef>
+            <a:fillRef idx="1">
+              <a:schemeClr val="accent1"/>
+            </a:fillRef>
+            <a:effectRef idx="0">
+              <a:schemeClr val="accent1"/>
+            </a:effectRef>
+            <a:fontRef idx="minor">
+              <a:schemeClr val="lt1"/>
+            </a:fontRef>
+          </p:style>
+          <p:txBody>
+            <a:bodyPr rtlCol="0" anchor="ctr"/>
+            <a:lstStyle/>
+            <a:p>
+              <a:pPr algn="ctr"/>
+              <a:endParaRPr lang="en-CA"/>
+            </a:p>
+          </p:txBody>
+        </p:sp>
+        <p:grpSp>
+          <p:nvGrpSpPr>
+            <p:cNvPr id="10" name="Group 9">
+              <a:extLst>
+                <a:ext uri="{FF2B5EF4-FFF2-40B4-BE49-F238E27FC236}">
+                  <a16:creationId xmlns:a16="http://schemas.microsoft.com/office/drawing/2014/main" id="{09E8BEE8-D07A-441D-90C6-714556CD128E}"/>
+                </a:ext>
+              </a:extLst>
+            </p:cNvPr>
+            <p:cNvGrpSpPr/>
+            <p:nvPr/>
+          </p:nvGrpSpPr>
+          <p:grpSpPr>
+            <a:xfrm>
+              <a:off x="8933151" y="959720"/>
+              <a:ext cx="2976038" cy="824227"/>
+              <a:chOff x="4118098" y="2250569"/>
+              <a:chExt cx="3669382" cy="1178431"/>
+            </a:xfrm>
+          </p:grpSpPr>
+          <p:pic>
+            <p:nvPicPr>
+              <p:cNvPr id="11" name="Picture 10" descr="A drawing of a cartoon character&#10;&#10;Description automatically generated">
+                <a:extLst>
+                  <a:ext uri="{FF2B5EF4-FFF2-40B4-BE49-F238E27FC236}">
+                    <a16:creationId xmlns:a16="http://schemas.microsoft.com/office/drawing/2014/main" id="{E7A64970-84DC-4065-9179-8F6B26275F1E}"/>
+                  </a:ext>
+                </a:extLst>
+              </p:cNvPr>
+              <p:cNvPicPr>
+                <a:picLocks noChangeAspect="1"/>
+              </p:cNvPicPr>
+              <p:nvPr/>
+            </p:nvPicPr>
+            <p:blipFill>
+              <a:blip r:embed="rId5">
+                <a:extLst>
+                  <a:ext uri="{28A0092B-C50C-407E-A947-70E740481C1C}">
+                    <a14:useLocalDpi xmlns:a14="http://schemas.microsoft.com/office/drawing/2010/main" val="0"/>
+                  </a:ext>
+                </a:extLst>
+              </a:blip>
+              <a:stretch>
+                <a:fillRect/>
+              </a:stretch>
+            </p:blipFill>
+            <p:spPr>
+              <a:xfrm>
+                <a:off x="4118098" y="2327451"/>
+                <a:ext cx="701699" cy="1101549"/>
+              </a:xfrm>
+              <a:prstGeom prst="rect">
+                <a:avLst/>
+              </a:prstGeom>
+            </p:spPr>
+          </p:pic>
+          <p:pic>
+            <p:nvPicPr>
+              <p:cNvPr id="12" name="Picture 11" descr="A picture containing clipart&#10;&#10;Description automatically generated">
+                <a:extLst>
+                  <a:ext uri="{FF2B5EF4-FFF2-40B4-BE49-F238E27FC236}">
+                    <a16:creationId xmlns:a16="http://schemas.microsoft.com/office/drawing/2014/main" id="{AF865B59-53CE-4C81-BFEC-7CA21D138384}"/>
+                  </a:ext>
+                </a:extLst>
+              </p:cNvPr>
+              <p:cNvPicPr>
+                <a:picLocks noChangeAspect="1"/>
+              </p:cNvPicPr>
+              <p:nvPr/>
+            </p:nvPicPr>
+            <p:blipFill>
+              <a:blip r:embed="rId6">
+                <a:extLst>
+                  <a:ext uri="{28A0092B-C50C-407E-A947-70E740481C1C}">
+                    <a14:useLocalDpi xmlns:a14="http://schemas.microsoft.com/office/drawing/2010/main" val="0"/>
+                  </a:ext>
+                </a:extLst>
+              </a:blip>
+              <a:stretch>
+                <a:fillRect/>
+              </a:stretch>
+            </p:blipFill>
+            <p:spPr>
+              <a:xfrm>
+                <a:off x="4937713" y="2250569"/>
+                <a:ext cx="1565198" cy="1178431"/>
+              </a:xfrm>
+              <a:prstGeom prst="rect">
+                <a:avLst/>
+              </a:prstGeom>
+            </p:spPr>
+          </p:pic>
+          <p:pic>
+            <p:nvPicPr>
+              <p:cNvPr id="13" name="Picture 12">
+                <a:extLst>
+                  <a:ext uri="{FF2B5EF4-FFF2-40B4-BE49-F238E27FC236}">
+                    <a16:creationId xmlns:a16="http://schemas.microsoft.com/office/drawing/2014/main" id="{7ADC0800-4181-4E92-ACDC-1A68A12E96D2}"/>
+                  </a:ext>
+                </a:extLst>
+              </p:cNvPr>
+              <p:cNvPicPr>
+                <a:picLocks noChangeAspect="1"/>
+              </p:cNvPicPr>
+              <p:nvPr/>
+            </p:nvPicPr>
+            <p:blipFill>
+              <a:blip r:embed="rId7">
+                <a:extLst>
+                  <a:ext uri="{28A0092B-C50C-407E-A947-70E740481C1C}">
+                    <a14:useLocalDpi xmlns:a14="http://schemas.microsoft.com/office/drawing/2010/main" val="0"/>
+                  </a:ext>
+                </a:extLst>
+              </a:blip>
+              <a:stretch>
+                <a:fillRect/>
+              </a:stretch>
+            </p:blipFill>
+            <p:spPr>
+              <a:xfrm>
+                <a:off x="6505216" y="2250569"/>
+                <a:ext cx="1282264" cy="1132041"/>
+              </a:xfrm>
+              <a:prstGeom prst="rect">
+                <a:avLst/>
+              </a:prstGeom>
+            </p:spPr>
+          </p:pic>
+        </p:grpSp>
+      </p:grpSp>
+      <p:pic>
+        <p:nvPicPr>
+          <p:cNvPr id="14" name="Picture 6" descr="Related image">
+            <a:extLst>
+              <a:ext uri="{FF2B5EF4-FFF2-40B4-BE49-F238E27FC236}">
+                <a16:creationId xmlns:a16="http://schemas.microsoft.com/office/drawing/2014/main" id="{106A8D2B-85D3-4992-A2E6-EFFA048C2AC2}"/>
+              </a:ext>
+            </a:extLst>
+          </p:cNvPr>
+          <p:cNvPicPr>
+            <a:picLocks noChangeAspect="1" noChangeArrowheads="1"/>
+          </p:cNvPicPr>
+          <p:nvPr/>
+        </p:nvPicPr>
+        <p:blipFill>
+          <a:blip r:embed="rId8">
+            <a:extLst>
+              <a:ext uri="{28A0092B-C50C-407E-A947-70E740481C1C}">
+                <a14:useLocalDpi xmlns:a14="http://schemas.microsoft.com/office/drawing/2010/main" val="0"/>
+              </a:ext>
+            </a:extLst>
+          </a:blip>
+          <a:srcRect/>
+          <a:stretch>
+            <a:fillRect/>
+          </a:stretch>
+        </p:blipFill>
+        <p:spPr bwMode="auto">
+          <a:xfrm>
+            <a:off x="7664172" y="1824142"/>
+            <a:ext cx="1197398" cy="1135464"/>
+          </a:xfrm>
+          <a:prstGeom prst="rect">
+            <a:avLst/>
+          </a:prstGeom>
+          <a:noFill/>
+          <a:extLst>
+            <a:ext uri="{909E8E84-426E-40DD-AFC4-6F175D3DCCD1}">
+              <a14:hiddenFill xmlns:a14="http://schemas.microsoft.com/office/drawing/2010/main">
+                <a:solidFill>
+                  <a:srgbClr val="FFFFFF"/>
+                </a:solidFill>
+              </a14:hiddenFill>
+            </a:ext>
+          </a:extLst>
+        </p:spPr>
+      </p:pic>
+      <p:graphicFrame>
+        <p:nvGraphicFramePr>
+          <p:cNvPr id="15" name="Table 14">
+            <a:extLst>
+              <a:ext uri="{FF2B5EF4-FFF2-40B4-BE49-F238E27FC236}">
+                <a16:creationId xmlns:a16="http://schemas.microsoft.com/office/drawing/2014/main" id="{BF408749-D81A-4072-B4AB-8D55F92BBE11}"/>
+              </a:ext>
+            </a:extLst>
+          </p:cNvPr>
+          <p:cNvGraphicFramePr>
+            <a:graphicFrameLocks noGrp="1"/>
+          </p:cNvGraphicFramePr>
+          <p:nvPr>
+            <p:extLst>
+              <p:ext uri="{D42A27DB-BD31-4B8C-83A1-F6EECF244321}">
+                <p14:modId xmlns:p14="http://schemas.microsoft.com/office/powerpoint/2010/main" val="2152138494"/>
+              </p:ext>
+            </p:extLst>
+          </p:nvPr>
+        </p:nvGraphicFramePr>
+        <p:xfrm>
+          <a:off x="7664172" y="3071952"/>
+          <a:ext cx="3279361" cy="741680"/>
+        </p:xfrm>
+        <a:graphic>
+          <a:graphicData uri="http://schemas.openxmlformats.org/drawingml/2006/table">
+            <a:tbl>
+              <a:tblPr firstRow="1" bandRow="1">
+                <a:tableStyleId>{5C22544A-7EE6-4342-B048-85BDC9FD1C3A}</a:tableStyleId>
+              </a:tblPr>
+              <a:tblGrid>
+                <a:gridCol w="3279361">
+                  <a:extLst>
+                    <a:ext uri="{9D8B030D-6E8A-4147-A177-3AD203B41FA5}">
+                      <a16:colId xmlns:a16="http://schemas.microsoft.com/office/drawing/2014/main" val="2931269128"/>
+                    </a:ext>
+                  </a:extLst>
+                </a:gridCol>
+              </a:tblGrid>
+              <a:tr h="370840">
+                <a:tc>
+                  <a:txBody>
+                    <a:bodyPr/>
+                    <a:lstStyle/>
+                    <a:p>
+                      <a:r>
+                        <a:rPr lang="en-CA" dirty="0"/>
+                        <a:t>General URL</a:t>
+                      </a:r>
+                    </a:p>
+                  </a:txBody>
+                  <a:tcPr/>
+                </a:tc>
+                <a:extLst>
+                  <a:ext uri="{0D108BD9-81ED-4DB2-BD59-A6C34878D82A}">
+                    <a16:rowId xmlns:a16="http://schemas.microsoft.com/office/drawing/2014/main" val="2535844643"/>
+                  </a:ext>
+                </a:extLst>
+              </a:tr>
+              <a:tr h="370840">
+                <a:tc>
+                  <a:txBody>
+                    <a:bodyPr/>
+                    <a:lstStyle/>
+                    <a:p>
+                      <a:r>
+                        <a:rPr lang="en-CA" dirty="0">
+                          <a:hlinkClick r:id="rId9"/>
+                        </a:rPr>
+                        <a:t>https://server.chopper.mx</a:t>
+                      </a:r>
+                      <a:endParaRPr lang="en-CA" dirty="0"/>
+                    </a:p>
+                  </a:txBody>
+                  <a:tcPr/>
+                </a:tc>
+                <a:extLst>
+                  <a:ext uri="{0D108BD9-81ED-4DB2-BD59-A6C34878D82A}">
+                    <a16:rowId xmlns:a16="http://schemas.microsoft.com/office/drawing/2014/main" val="2665576645"/>
+                  </a:ext>
+                </a:extLst>
+              </a:tr>
+            </a:tbl>
+          </a:graphicData>
+        </a:graphic>
+      </p:graphicFrame>
+    </p:spTree>
+    <p:extLst>
+      <p:ext uri="{BB962C8B-B14F-4D97-AF65-F5344CB8AC3E}">
+        <p14:creationId xmlns:p14="http://schemas.microsoft.com/office/powerpoint/2010/main" val="2295921567"/>
+      </p:ext>
+    </p:extLst>
+  </p:cSld>
+  <p:clrMapOvr>
+    <a:masterClrMapping/>
+  </p:clrMapOvr>
+</p:sld>
+</file>
+
 <file path=ppt/theme/theme1.xml><?xml version="1.0" encoding="utf-8"?>
 <a:theme xmlns:a="http://schemas.openxmlformats.org/drawingml/2006/main" name="Office Theme">
   <a:themeElements>

--- a/webapp/overview.pptx
+++ b/webapp/overview.pptx
@@ -6149,14 +6149,14 @@
           <p:nvPr>
             <p:extLst>
               <p:ext uri="{D42A27DB-BD31-4B8C-83A1-F6EECF244321}">
-                <p14:modId xmlns:p14="http://schemas.microsoft.com/office/powerpoint/2010/main" val="977431366"/>
+                <p14:modId xmlns:p14="http://schemas.microsoft.com/office/powerpoint/2010/main" val="822200861"/>
               </p:ext>
             </p:extLst>
           </p:nvPr>
         </p:nvGraphicFramePr>
         <p:xfrm>
-          <a:off x="1554922" y="4181504"/>
-          <a:ext cx="8649252" cy="2225040"/>
+          <a:off x="1554922" y="4075488"/>
+          <a:ext cx="8649252" cy="2595880"/>
         </p:xfrm>
         <a:graphic>
           <a:graphicData uri="http://schemas.openxmlformats.org/drawingml/2006/table">
@@ -6396,6 +6396,39 @@
                 <a:extLst>
                   <a:ext uri="{0D108BD9-81ED-4DB2-BD59-A6C34878D82A}">
                     <a16:rowId xmlns:a16="http://schemas.microsoft.com/office/drawing/2014/main" val="1319539135"/>
+                  </a:ext>
+                </a:extLst>
+              </a:tr>
+              <a:tr h="370840">
+                <a:tc>
+                  <a:txBody>
+                    <a:bodyPr/>
+                    <a:lstStyle/>
+                    <a:p>
+                      <a:r>
+                        <a:rPr lang="en-CA" dirty="0"/>
+                        <a:t>platoon/+/defeated</a:t>
+                      </a:r>
+                    </a:p>
+                  </a:txBody>
+                  <a:tcPr/>
+                </a:tc>
+                <a:tc>
+                  <a:txBody>
+                    <a:bodyPr/>
+                    <a:lstStyle/>
+                    <a:p>
+                      <a:r>
+                        <a:rPr lang="en-CA" dirty="0"/>
+                        <a:t>Defeated notification from platoon</a:t>
+                      </a:r>
+                    </a:p>
+                  </a:txBody>
+                  <a:tcPr/>
+                </a:tc>
+                <a:extLst>
+                  <a:ext uri="{0D108BD9-81ED-4DB2-BD59-A6C34878D82A}">
+                    <a16:rowId xmlns:a16="http://schemas.microsoft.com/office/drawing/2014/main" val="1399619708"/>
                   </a:ext>
                 </a:extLst>
               </a:tr>
